--- a/extras/ppts/RUASIC2019_IntegratedHealthcareInformatics_45.pptx
+++ b/extras/ppts/RUASIC2019_IntegratedHealthcareInformatics_45.pptx
@@ -815,7 +815,7 @@
   <p:cSld>
     <p:spTree>
       <p:nvGrpSpPr>
-        <p:cNvPr id="321" name="Shape 321"/>
+        <p:cNvPr id="322" name="Shape 322"/>
         <p:cNvGrpSpPr/>
         <p:nvPr/>
       </p:nvGrpSpPr>
@@ -829,7 +829,7 @@
       </p:grpSpPr>
       <p:sp>
         <p:nvSpPr>
-          <p:cNvPr id="322" name="Google Shape;322;g502034f81b_0_189:notes"/>
+          <p:cNvPr id="323" name="Google Shape;323;g502034f81b_0_189:notes"/>
           <p:cNvSpPr/>
           <p:nvPr>
             <p:ph idx="2" type="sldImg"/>
@@ -864,7 +864,7 @@
       </p:sp>
       <p:sp>
         <p:nvSpPr>
-          <p:cNvPr id="323" name="Google Shape;323;g502034f81b_0_189:notes"/>
+          <p:cNvPr id="324" name="Google Shape;324;g502034f81b_0_189:notes"/>
           <p:cNvSpPr txBox="1"/>
           <p:nvPr>
             <p:ph idx="1" type="body"/>
@@ -914,7 +914,7 @@
   <p:cSld>
     <p:spTree>
       <p:nvGrpSpPr>
-        <p:cNvPr id="329" name="Shape 329"/>
+        <p:cNvPr id="330" name="Shape 330"/>
         <p:cNvGrpSpPr/>
         <p:nvPr/>
       </p:nvGrpSpPr>
@@ -928,7 +928,7 @@
       </p:grpSpPr>
       <p:sp>
         <p:nvSpPr>
-          <p:cNvPr id="330" name="Google Shape;330;g502034f81b_0_192:notes"/>
+          <p:cNvPr id="331" name="Google Shape;331;g502034f81b_0_192:notes"/>
           <p:cNvSpPr/>
           <p:nvPr>
             <p:ph idx="2" type="sldImg"/>
@@ -963,7 +963,7 @@
       </p:sp>
       <p:sp>
         <p:nvSpPr>
-          <p:cNvPr id="331" name="Google Shape;331;g502034f81b_0_192:notes"/>
+          <p:cNvPr id="332" name="Google Shape;332;g502034f81b_0_192:notes"/>
           <p:cNvSpPr txBox="1"/>
           <p:nvPr>
             <p:ph idx="1" type="body"/>
@@ -1607,7 +1607,7 @@
   <p:cSld>
     <p:spTree>
       <p:nvGrpSpPr>
-        <p:cNvPr id="271" name="Shape 271"/>
+        <p:cNvPr id="272" name="Shape 272"/>
         <p:cNvGrpSpPr/>
         <p:nvPr/>
       </p:nvGrpSpPr>
@@ -1621,7 +1621,7 @@
       </p:grpSpPr>
       <p:sp>
         <p:nvSpPr>
-          <p:cNvPr id="272" name="Google Shape;272;gc6f9e470d_0_47:notes"/>
+          <p:cNvPr id="273" name="Google Shape;273;gc6f9e470d_0_47:notes"/>
           <p:cNvSpPr/>
           <p:nvPr>
             <p:ph idx="2" type="sldImg"/>
@@ -1656,7 +1656,7 @@
       </p:sp>
       <p:sp>
         <p:nvSpPr>
-          <p:cNvPr id="273" name="Google Shape;273;gc6f9e470d_0_47:notes"/>
+          <p:cNvPr id="274" name="Google Shape;274;gc6f9e470d_0_47:notes"/>
           <p:cNvSpPr txBox="1"/>
           <p:nvPr>
             <p:ph idx="1" type="body"/>
@@ -1706,7 +1706,7 @@
   <p:cSld>
     <p:spTree>
       <p:nvGrpSpPr>
-        <p:cNvPr id="279" name="Shape 279"/>
+        <p:cNvPr id="280" name="Shape 280"/>
         <p:cNvGrpSpPr/>
         <p:nvPr/>
       </p:nvGrpSpPr>
@@ -1720,7 +1720,7 @@
       </p:grpSpPr>
       <p:sp>
         <p:nvSpPr>
-          <p:cNvPr id="280" name="Google Shape;280;gc6f9e470d_0_126:notes"/>
+          <p:cNvPr id="281" name="Google Shape;281;gc6f9e470d_0_126:notes"/>
           <p:cNvSpPr/>
           <p:nvPr>
             <p:ph idx="2" type="sldImg"/>
@@ -1755,7 +1755,7 @@
       </p:sp>
       <p:sp>
         <p:nvSpPr>
-          <p:cNvPr id="281" name="Google Shape;281;gc6f9e470d_0_126:notes"/>
+          <p:cNvPr id="282" name="Google Shape;282;gc6f9e470d_0_126:notes"/>
           <p:cNvSpPr txBox="1"/>
           <p:nvPr>
             <p:ph idx="1" type="body"/>
@@ -20782,7 +20782,7 @@
   <p:cSld>
     <p:spTree>
       <p:nvGrpSpPr>
-        <p:cNvPr id="324" name="Shape 324"/>
+        <p:cNvPr id="325" name="Shape 325"/>
         <p:cNvGrpSpPr/>
         <p:nvPr/>
       </p:nvGrpSpPr>
@@ -20796,7 +20796,7 @@
       </p:grpSpPr>
       <p:pic>
         <p:nvPicPr>
-          <p:cNvPr id="325" name="Google Shape;325;p34"/>
+          <p:cNvPr id="326" name="Google Shape;326;p34"/>
           <p:cNvPicPr preferRelativeResize="0"/>
           <p:nvPr/>
         </p:nvPicPr>
@@ -20824,7 +20824,7 @@
       </p:pic>
       <p:pic>
         <p:nvPicPr>
-          <p:cNvPr id="326" name="Google Shape;326;p34"/>
+          <p:cNvPr id="327" name="Google Shape;327;p34"/>
           <p:cNvPicPr preferRelativeResize="0"/>
           <p:nvPr/>
         </p:nvPicPr>
@@ -20852,7 +20852,7 @@
       </p:pic>
       <p:sp>
         <p:nvSpPr>
-          <p:cNvPr id="327" name="Google Shape;327;p34"/>
+          <p:cNvPr id="328" name="Google Shape;328;p34"/>
           <p:cNvSpPr txBox="1"/>
           <p:nvPr/>
         </p:nvSpPr>
@@ -20910,7 +20910,7 @@
       </p:sp>
       <p:sp>
         <p:nvSpPr>
-          <p:cNvPr id="328" name="Google Shape;328;p34"/>
+          <p:cNvPr id="329" name="Google Shape;329;p34"/>
           <p:cNvSpPr txBox="1"/>
           <p:nvPr/>
         </p:nvSpPr>
@@ -21209,7 +21209,7 @@
   <p:cSld>
     <p:spTree>
       <p:nvGrpSpPr>
-        <p:cNvPr id="332" name="Shape 332"/>
+        <p:cNvPr id="333" name="Shape 333"/>
         <p:cNvGrpSpPr/>
         <p:nvPr/>
       </p:nvGrpSpPr>
@@ -21223,7 +21223,7 @@
       </p:grpSpPr>
       <p:pic>
         <p:nvPicPr>
-          <p:cNvPr id="333" name="Google Shape;333;p35"/>
+          <p:cNvPr id="334" name="Google Shape;334;p35"/>
           <p:cNvPicPr preferRelativeResize="0"/>
           <p:nvPr/>
         </p:nvPicPr>
@@ -21251,7 +21251,7 @@
       </p:pic>
       <p:pic>
         <p:nvPicPr>
-          <p:cNvPr id="334" name="Google Shape;334;p35"/>
+          <p:cNvPr id="335" name="Google Shape;335;p35"/>
           <p:cNvPicPr preferRelativeResize="0"/>
           <p:nvPr/>
         </p:nvPicPr>
@@ -21279,7 +21279,7 @@
       </p:pic>
       <p:sp>
         <p:nvSpPr>
-          <p:cNvPr id="335" name="Google Shape;335;p35"/>
+          <p:cNvPr id="336" name="Google Shape;336;p35"/>
           <p:cNvSpPr txBox="1"/>
           <p:nvPr/>
         </p:nvSpPr>
@@ -21337,7 +21337,7 @@
       </p:sp>
       <p:sp>
         <p:nvSpPr>
-          <p:cNvPr id="336" name="Google Shape;336;p35"/>
+          <p:cNvPr id="337" name="Google Shape;337;p35"/>
           <p:cNvSpPr txBox="1"/>
           <p:nvPr/>
         </p:nvSpPr>
@@ -23285,7 +23285,7 @@
             </a:pPr>
             <a:r>
               <a:rPr lang="en"/>
-              <a:t>Output:- Demarcated cyst region with cancer detection result </a:t>
+              <a:t>Output:- Enhanced &amp; Demarcated cyst region with cancer detection result </a:t>
             </a:r>
             <a:endParaRPr/>
           </a:p>
@@ -23554,7 +23554,7 @@
                 <a:cs typeface="Roboto"/>
                 <a:sym typeface="Roboto"/>
               </a:rPr>
-              <a:t>The software primarily carries out 5 filters on the image, namely</a:t>
+              <a:t>The software primarily carries out 4 filters on the image, namely</a:t>
             </a:r>
             <a:br>
               <a:rPr lang="en" sz="1800">
@@ -23600,6 +23600,41 @@
                 <a:cs typeface="Roboto"/>
                 <a:sym typeface="Roboto"/>
               </a:rPr>
+              <a:t>	A1</a:t>
+            </a:r>
+            <a:r>
+              <a:rPr lang="en" sz="1800">
+                <a:solidFill>
+                  <a:srgbClr val="EFEFEF"/>
+                </a:solidFill>
+                <a:latin typeface="Roboto"/>
+                <a:ea typeface="Roboto"/>
+                <a:cs typeface="Roboto"/>
+                <a:sym typeface="Roboto"/>
+              </a:rPr>
+              <a:t>. High pass filter</a:t>
+            </a:r>
+            <a:br>
+              <a:rPr lang="en" sz="1800">
+                <a:solidFill>
+                  <a:srgbClr val="EFEFEF"/>
+                </a:solidFill>
+                <a:latin typeface="Roboto"/>
+                <a:ea typeface="Roboto"/>
+                <a:cs typeface="Roboto"/>
+                <a:sym typeface="Roboto"/>
+              </a:rPr>
+            </a:br>
+            <a:r>
+              <a:rPr lang="en" sz="1800">
+                <a:solidFill>
+                  <a:srgbClr val="EFEFEF"/>
+                </a:solidFill>
+                <a:latin typeface="Roboto"/>
+                <a:ea typeface="Roboto"/>
+                <a:cs typeface="Roboto"/>
+                <a:sym typeface="Roboto"/>
+              </a:rPr>
               <a:t>B. Top Hat transform </a:t>
             </a:r>
             <a:br>
@@ -23647,38 +23682,6 @@
                 <a:sym typeface="Roboto"/>
               </a:rPr>
               <a:t>D. CLAHE</a:t>
-            </a:r>
-            <a:endParaRPr sz="1800">
-              <a:solidFill>
-                <a:srgbClr val="EFEFEF"/>
-              </a:solidFill>
-              <a:latin typeface="Roboto"/>
-              <a:ea typeface="Roboto"/>
-              <a:cs typeface="Roboto"/>
-              <a:sym typeface="Roboto"/>
-            </a:endParaRPr>
-          </a:p>
-          <a:p>
-            <a:pPr indent="0" lvl="0" marL="457200" rtl="0" algn="l">
-              <a:spcBef>
-                <a:spcPts val="0"/>
-              </a:spcBef>
-              <a:spcAft>
-                <a:spcPts val="0"/>
-              </a:spcAft>
-              <a:buNone/>
-            </a:pPr>
-            <a:r>
-              <a:rPr lang="en" sz="1800">
-                <a:solidFill>
-                  <a:srgbClr val="EFEFEF"/>
-                </a:solidFill>
-                <a:latin typeface="Roboto"/>
-                <a:ea typeface="Roboto"/>
-                <a:cs typeface="Roboto"/>
-                <a:sym typeface="Roboto"/>
-              </a:rPr>
-              <a:t>E. High pass filter</a:t>
             </a:r>
             <a:endParaRPr sz="1800">
               <a:solidFill>
@@ -23815,7 +23818,7 @@
             </a:pPr>
             <a:r>
               <a:rPr lang="en"/>
-              <a:t>Flowchart</a:t>
+              <a:t>Flowchart x2</a:t>
             </a:r>
             <a:endParaRPr/>
           </a:p>
@@ -24395,57 +24398,6 @@
         </p:nvSpPr>
         <p:spPr>
           <a:xfrm>
-            <a:off x="6193338" y="3445425"/>
-            <a:ext cx="1449000" cy="189900"/>
-          </a:xfrm>
-          <a:prstGeom prst="rect">
-            <a:avLst/>
-          </a:prstGeom>
-        </p:spPr>
-        <p:txBody>
-          <a:bodyPr anchorCtr="0" anchor="ctr" bIns="91425" lIns="91425" spcFirstLastPara="1" rIns="91425" wrap="square" tIns="91425">
-            <a:noAutofit/>
-          </a:bodyPr>
-          <a:lstStyle/>
-          <a:p>
-            <a:pPr indent="0" lvl="0" marL="0" rtl="0" algn="ctr">
-              <a:lnSpc>
-                <a:spcPct val="100000"/>
-              </a:lnSpc>
-              <a:spcBef>
-                <a:spcPts val="0"/>
-              </a:spcBef>
-              <a:spcAft>
-                <a:spcPts val="0"/>
-              </a:spcAft>
-              <a:buNone/>
-            </a:pPr>
-            <a:r>
-              <a:rPr lang="en" sz="1100">
-                <a:solidFill>
-                  <a:schemeClr val="lt1"/>
-                </a:solidFill>
-              </a:rPr>
-              <a:t>Front End Lead</a:t>
-            </a:r>
-            <a:endParaRPr sz="1100">
-              <a:solidFill>
-                <a:schemeClr val="lt1"/>
-              </a:solidFill>
-            </a:endParaRPr>
-          </a:p>
-        </p:txBody>
-      </p:sp>
-      <p:sp>
-        <p:nvSpPr>
-          <p:cNvPr id="243" name="Google Shape;243;p31"/>
-          <p:cNvSpPr txBox="1"/>
-          <p:nvPr>
-            <p:ph idx="4294967295" type="body"/>
-          </p:nvPr>
-        </p:nvSpPr>
-        <p:spPr>
-          <a:xfrm>
             <a:off x="6193263" y="3796188"/>
             <a:ext cx="1449000" cy="189900"/>
           </a:xfrm>
@@ -24489,7 +24441,7 @@
       </p:sp>
       <p:sp>
         <p:nvSpPr>
-          <p:cNvPr id="244" name="Google Shape;244;p31"/>
+          <p:cNvPr id="243" name="Google Shape;243;p31"/>
           <p:cNvSpPr/>
           <p:nvPr/>
         </p:nvSpPr>
@@ -24536,7 +24488,7 @@
       </p:sp>
       <p:sp>
         <p:nvSpPr>
-          <p:cNvPr id="245" name="Google Shape;245;p31"/>
+          <p:cNvPr id="244" name="Google Shape;244;p31"/>
           <p:cNvSpPr/>
           <p:nvPr/>
         </p:nvSpPr>
@@ -24579,7 +24531,7 @@
       </p:sp>
       <p:sp>
         <p:nvSpPr>
-          <p:cNvPr id="246" name="Google Shape;246;p31"/>
+          <p:cNvPr id="245" name="Google Shape;245;p31"/>
           <p:cNvSpPr txBox="1"/>
           <p:nvPr>
             <p:ph idx="4294967295" type="body"/>
@@ -24630,7 +24582,7 @@
       </p:sp>
       <p:sp>
         <p:nvSpPr>
-          <p:cNvPr id="247" name="Google Shape;247;p31"/>
+          <p:cNvPr id="246" name="Google Shape;246;p31"/>
           <p:cNvSpPr/>
           <p:nvPr/>
         </p:nvSpPr>
@@ -24677,7 +24629,7 @@
       </p:sp>
       <p:sp>
         <p:nvSpPr>
-          <p:cNvPr id="248" name="Google Shape;248;p31"/>
+          <p:cNvPr id="247" name="Google Shape;247;p31"/>
           <p:cNvSpPr/>
           <p:nvPr/>
         </p:nvSpPr>
@@ -24720,7 +24672,7 @@
       </p:sp>
       <p:sp>
         <p:nvSpPr>
-          <p:cNvPr id="249" name="Google Shape;249;p31"/>
+          <p:cNvPr id="248" name="Google Shape;248;p31"/>
           <p:cNvSpPr txBox="1"/>
           <p:nvPr>
             <p:ph idx="4294967295" type="body"/>
@@ -24771,7 +24723,7 @@
       </p:sp>
       <p:sp>
         <p:nvSpPr>
-          <p:cNvPr id="250" name="Google Shape;250;p31"/>
+          <p:cNvPr id="249" name="Google Shape;249;p31"/>
           <p:cNvSpPr/>
           <p:nvPr/>
         </p:nvSpPr>
@@ -24818,7 +24770,7 @@
       </p:sp>
       <p:sp>
         <p:nvSpPr>
-          <p:cNvPr id="251" name="Google Shape;251;p31"/>
+          <p:cNvPr id="250" name="Google Shape;250;p31"/>
           <p:cNvSpPr/>
           <p:nvPr/>
         </p:nvSpPr>
@@ -24861,7 +24813,7 @@
       </p:sp>
       <p:sp>
         <p:nvSpPr>
-          <p:cNvPr id="252" name="Google Shape;252;p31"/>
+          <p:cNvPr id="251" name="Google Shape;251;p31"/>
           <p:cNvSpPr txBox="1"/>
           <p:nvPr>
             <p:ph idx="4294967295" type="body"/>
@@ -24912,7 +24864,7 @@
       </p:sp>
       <p:sp>
         <p:nvSpPr>
-          <p:cNvPr id="253" name="Google Shape;253;p31"/>
+          <p:cNvPr id="252" name="Google Shape;252;p31"/>
           <p:cNvSpPr/>
           <p:nvPr/>
         </p:nvSpPr>
@@ -24959,7 +24911,7 @@
       </p:sp>
       <p:sp>
         <p:nvSpPr>
-          <p:cNvPr id="254" name="Google Shape;254;p31"/>
+          <p:cNvPr id="253" name="Google Shape;253;p31"/>
           <p:cNvSpPr/>
           <p:nvPr/>
         </p:nvSpPr>
@@ -25002,58 +24954,7 @@
       </p:sp>
       <p:sp>
         <p:nvSpPr>
-          <p:cNvPr id="255" name="Google Shape;255;p31"/>
-          <p:cNvSpPr txBox="1"/>
-          <p:nvPr>
-            <p:ph idx="4294967295" type="body"/>
-          </p:nvPr>
-        </p:nvSpPr>
-        <p:spPr>
-          <a:xfrm>
-            <a:off x="6463588" y="1594025"/>
-            <a:ext cx="1449000" cy="189900"/>
-          </a:xfrm>
-          <a:prstGeom prst="rect">
-            <a:avLst/>
-          </a:prstGeom>
-        </p:spPr>
-        <p:txBody>
-          <a:bodyPr anchorCtr="0" anchor="ctr" bIns="91425" lIns="91425" spcFirstLastPara="1" rIns="91425" wrap="square" tIns="91425">
-            <a:noAutofit/>
-          </a:bodyPr>
-          <a:lstStyle/>
-          <a:p>
-            <a:pPr indent="0" lvl="0" marL="0" rtl="0" algn="ctr">
-              <a:lnSpc>
-                <a:spcPct val="100000"/>
-              </a:lnSpc>
-              <a:spcBef>
-                <a:spcPts val="0"/>
-              </a:spcBef>
-              <a:spcAft>
-                <a:spcPts val="0"/>
-              </a:spcAft>
-              <a:buNone/>
-            </a:pPr>
-            <a:r>
-              <a:rPr lang="en" sz="1100">
-                <a:solidFill>
-                  <a:schemeClr val="lt1"/>
-                </a:solidFill>
-              </a:rPr>
-              <a:t>Front End Lead</a:t>
-            </a:r>
-            <a:endParaRPr sz="1100">
-              <a:solidFill>
-                <a:schemeClr val="lt1"/>
-              </a:solidFill>
-            </a:endParaRPr>
-          </a:p>
-        </p:txBody>
-      </p:sp>
-      <p:sp>
-        <p:nvSpPr>
-          <p:cNvPr id="256" name="Google Shape;256;p31"/>
+          <p:cNvPr id="254" name="Google Shape;254;p31"/>
           <p:cNvSpPr txBox="1"/>
           <p:nvPr>
             <p:ph idx="4294967295" type="body"/>
@@ -25104,7 +25005,7 @@
       </p:sp>
       <p:cxnSp>
         <p:nvCxnSpPr>
-          <p:cNvPr id="257" name="Google Shape;257;p31"/>
+          <p:cNvPr id="255" name="Google Shape;255;p31"/>
           <p:cNvCxnSpPr>
             <a:endCxn id="239" idx="3"/>
           </p:cNvCxnSpPr>
@@ -25132,10 +25033,10 @@
       </p:cxnSp>
       <p:cxnSp>
         <p:nvCxnSpPr>
-          <p:cNvPr id="258" name="Google Shape;258;p31"/>
+          <p:cNvPr id="256" name="Google Shape;256;p31"/>
           <p:cNvCxnSpPr>
             <a:stCxn id="239" idx="2"/>
-            <a:endCxn id="246" idx="1"/>
+            <a:endCxn id="245" idx="1"/>
           </p:cNvCxnSpPr>
           <p:nvPr/>
         </p:nvCxnSpPr>
@@ -25161,39 +25062,10 @@
       </p:cxnSp>
       <p:cxnSp>
         <p:nvCxnSpPr>
-          <p:cNvPr id="259" name="Google Shape;259;p31"/>
+          <p:cNvPr id="257" name="Google Shape;257;p31"/>
           <p:cNvCxnSpPr>
-            <a:stCxn id="246" idx="3"/>
-            <a:endCxn id="249" idx="1"/>
-          </p:cNvCxnSpPr>
-          <p:nvPr/>
-        </p:nvCxnSpPr>
-        <p:spPr>
-          <a:xfrm>
-            <a:off x="3278625" y="3890688"/>
-            <a:ext cx="734100" cy="312300"/>
-          </a:xfrm>
-          <a:prstGeom prst="straightConnector1">
-            <a:avLst/>
-          </a:prstGeom>
-          <a:noFill/>
-          <a:ln cap="flat" cmpd="sng" w="9525">
-            <a:solidFill>
-              <a:schemeClr val="dk2"/>
-            </a:solidFill>
-            <a:prstDash val="solid"/>
-            <a:round/>
-            <a:headEnd len="med" w="med" type="none"/>
-            <a:tailEnd len="med" w="med" type="triangle"/>
-          </a:ln>
-        </p:spPr>
-      </p:cxnSp>
-      <p:cxnSp>
-        <p:nvCxnSpPr>
-          <p:cNvPr id="260" name="Google Shape;260;p31"/>
-          <p:cNvCxnSpPr>
-            <a:stCxn id="249" idx="3"/>
-            <a:endCxn id="243" idx="1"/>
+            <a:stCxn id="248" idx="3"/>
+            <a:endCxn id="242" idx="1"/>
           </p:cNvCxnSpPr>
           <p:nvPr/>
         </p:nvCxnSpPr>
@@ -25219,39 +25091,10 @@
       </p:cxnSp>
       <p:cxnSp>
         <p:nvCxnSpPr>
-          <p:cNvPr id="261" name="Google Shape;261;p31"/>
+          <p:cNvPr id="258" name="Google Shape;258;p31"/>
           <p:cNvCxnSpPr>
-            <a:stCxn id="242" idx="0"/>
-            <a:endCxn id="252" idx="1"/>
-          </p:cNvCxnSpPr>
-          <p:nvPr/>
-        </p:nvCxnSpPr>
-        <p:spPr>
-          <a:xfrm flipH="1" rot="10800000">
-            <a:off x="6917838" y="2965425"/>
-            <a:ext cx="724500" cy="480000"/>
-          </a:xfrm>
-          <a:prstGeom prst="straightConnector1">
-            <a:avLst/>
-          </a:prstGeom>
-          <a:noFill/>
-          <a:ln cap="flat" cmpd="sng" w="9525">
-            <a:solidFill>
-              <a:schemeClr val="dk2"/>
-            </a:solidFill>
-            <a:prstDash val="solid"/>
-            <a:round/>
-            <a:headEnd len="med" w="med" type="none"/>
-            <a:tailEnd len="med" w="med" type="triangle"/>
-          </a:ln>
-        </p:spPr>
-      </p:cxnSp>
-      <p:cxnSp>
-        <p:nvCxnSpPr>
-          <p:cNvPr id="262" name="Google Shape;262;p31"/>
-          <p:cNvCxnSpPr>
-            <a:stCxn id="251" idx="1"/>
-            <a:endCxn id="256" idx="2"/>
+            <a:stCxn id="250" idx="1"/>
+            <a:endCxn id="254" idx="2"/>
           </p:cNvCxnSpPr>
           <p:nvPr/>
         </p:nvCxnSpPr>
@@ -25277,7 +25120,7 @@
       </p:cxnSp>
       <p:cxnSp>
         <p:nvCxnSpPr>
-          <p:cNvPr id="263" name="Google Shape;263;p31"/>
+          <p:cNvPr id="259" name="Google Shape;259;p31"/>
           <p:cNvCxnSpPr>
             <a:stCxn id="235" idx="0"/>
             <a:endCxn id="235" idx="1"/>
@@ -25306,7 +25149,7 @@
       </p:cxnSp>
       <p:sp>
         <p:nvSpPr>
-          <p:cNvPr id="264" name="Google Shape;264;p31"/>
+          <p:cNvPr id="260" name="Google Shape;260;p31"/>
           <p:cNvSpPr txBox="1"/>
           <p:nvPr/>
         </p:nvSpPr>
@@ -25352,7 +25195,7 @@
       </p:sp>
       <p:sp>
         <p:nvSpPr>
-          <p:cNvPr id="265" name="Google Shape;265;p31"/>
+          <p:cNvPr id="261" name="Google Shape;261;p31"/>
           <p:cNvSpPr/>
           <p:nvPr/>
         </p:nvSpPr>
@@ -25402,9 +25245,9 @@
       </p:sp>
       <p:cxnSp>
         <p:nvCxnSpPr>
-          <p:cNvPr id="266" name="Google Shape;266;p31"/>
+          <p:cNvPr id="262" name="Google Shape;262;p31"/>
           <p:cNvCxnSpPr>
-            <a:stCxn id="265" idx="2"/>
+            <a:stCxn id="261" idx="2"/>
             <a:endCxn id="231" idx="0"/>
           </p:cNvCxnSpPr>
           <p:nvPr/>
@@ -25431,7 +25274,7 @@
       </p:cxnSp>
       <p:sp>
         <p:nvSpPr>
-          <p:cNvPr id="267" name="Google Shape;267;p31"/>
+          <p:cNvPr id="263" name="Google Shape;263;p31"/>
           <p:cNvSpPr/>
           <p:nvPr/>
         </p:nvSpPr>
@@ -25479,38 +25322,9 @@
           </a:p>
         </p:txBody>
       </p:sp>
-      <p:cxnSp>
-        <p:nvCxnSpPr>
-          <p:cNvPr id="268" name="Google Shape;268;p31"/>
-          <p:cNvCxnSpPr>
-            <a:stCxn id="255" idx="0"/>
-            <a:endCxn id="267" idx="2"/>
-          </p:cNvCxnSpPr>
-          <p:nvPr/>
-        </p:nvCxnSpPr>
-        <p:spPr>
-          <a:xfrm flipH="1" rot="10800000">
-            <a:off x="7188088" y="1119425"/>
-            <a:ext cx="193800" cy="474600"/>
-          </a:xfrm>
-          <a:prstGeom prst="straightConnector1">
-            <a:avLst/>
-          </a:prstGeom>
-          <a:noFill/>
-          <a:ln cap="flat" cmpd="sng" w="9525">
-            <a:solidFill>
-              <a:schemeClr val="dk2"/>
-            </a:solidFill>
-            <a:prstDash val="solid"/>
-            <a:round/>
-            <a:headEnd len="med" w="med" type="none"/>
-            <a:tailEnd len="med" w="med" type="triangle"/>
-          </a:ln>
-        </p:spPr>
-      </p:cxnSp>
       <p:pic>
         <p:nvPicPr>
-          <p:cNvPr id="269" name="Google Shape;269;p31"/>
+          <p:cNvPr id="264" name="Google Shape;264;p31"/>
           <p:cNvPicPr preferRelativeResize="0"/>
           <p:nvPr/>
         </p:nvPicPr>
@@ -25538,7 +25352,7 @@
       </p:pic>
       <p:pic>
         <p:nvPicPr>
-          <p:cNvPr id="270" name="Google Shape;270;p31"/>
+          <p:cNvPr id="265" name="Google Shape;265;p31"/>
           <p:cNvPicPr preferRelativeResize="0"/>
           <p:nvPr/>
         </p:nvPicPr>
@@ -25564,6 +25378,221 @@
           </a:ln>
         </p:spPr>
       </p:pic>
+      <p:cxnSp>
+        <p:nvCxnSpPr>
+          <p:cNvPr id="266" name="Google Shape;266;p31"/>
+          <p:cNvCxnSpPr>
+            <a:stCxn id="245" idx="3"/>
+          </p:cNvCxnSpPr>
+          <p:nvPr/>
+        </p:nvCxnSpPr>
+        <p:spPr>
+          <a:xfrm flipH="1" rot="10800000">
+            <a:off x="3278625" y="2977188"/>
+            <a:ext cx="513000" cy="913500"/>
+          </a:xfrm>
+          <a:prstGeom prst="straightConnector1">
+            <a:avLst/>
+          </a:prstGeom>
+          <a:noFill/>
+          <a:ln cap="flat" cmpd="sng" w="9525">
+            <a:solidFill>
+              <a:schemeClr val="dk2"/>
+            </a:solidFill>
+            <a:prstDash val="solid"/>
+            <a:round/>
+            <a:headEnd len="med" w="med" type="none"/>
+            <a:tailEnd len="med" w="med" type="triangle"/>
+          </a:ln>
+        </p:spPr>
+      </p:cxnSp>
+      <p:sp>
+        <p:nvSpPr>
+          <p:cNvPr id="267" name="Google Shape;267;p31"/>
+          <p:cNvSpPr/>
+          <p:nvPr/>
+        </p:nvSpPr>
+        <p:spPr>
+          <a:xfrm>
+            <a:off x="3444250" y="2466600"/>
+            <a:ext cx="1537596" cy="480006"/>
+          </a:xfrm>
+          <a:prstGeom prst="flowChartTerminator">
+            <a:avLst/>
+          </a:prstGeom>
+          <a:solidFill>
+            <a:schemeClr val="lt2"/>
+          </a:solidFill>
+          <a:ln cap="flat" cmpd="sng" w="9525">
+            <a:solidFill>
+              <a:schemeClr val="dk2"/>
+            </a:solidFill>
+            <a:prstDash val="solid"/>
+            <a:round/>
+            <a:headEnd len="sm" w="sm" type="none"/>
+            <a:tailEnd len="sm" w="sm" type="none"/>
+          </a:ln>
+        </p:spPr>
+        <p:txBody>
+          <a:bodyPr anchorCtr="0" anchor="ctr" bIns="91425" lIns="91425" spcFirstLastPara="1" rIns="91425" wrap="square" tIns="91425">
+            <a:noAutofit/>
+          </a:bodyPr>
+          <a:lstStyle/>
+          <a:p>
+            <a:pPr indent="457200" lvl="0" marL="0" rtl="0" algn="l">
+              <a:spcBef>
+                <a:spcPts val="0"/>
+              </a:spcBef>
+              <a:spcAft>
+                <a:spcPts val="0"/>
+              </a:spcAft>
+              <a:buNone/>
+            </a:pPr>
+            <a:r>
+              <a:rPr lang="en"/>
+              <a:t>END</a:t>
+            </a:r>
+            <a:endParaRPr/>
+          </a:p>
+        </p:txBody>
+      </p:sp>
+      <p:cxnSp>
+        <p:nvCxnSpPr>
+          <p:cNvPr id="268" name="Google Shape;268;p31"/>
+          <p:cNvCxnSpPr>
+            <a:stCxn id="253" idx="0"/>
+            <a:endCxn id="263" idx="2"/>
+          </p:cNvCxnSpPr>
+          <p:nvPr/>
+        </p:nvCxnSpPr>
+        <p:spPr>
+          <a:xfrm flipH="1" rot="10800000">
+            <a:off x="7188075" y="1119574"/>
+            <a:ext cx="193800" cy="415200"/>
+          </a:xfrm>
+          <a:prstGeom prst="straightConnector1">
+            <a:avLst/>
+          </a:prstGeom>
+          <a:noFill/>
+          <a:ln cap="flat" cmpd="sng" w="9525">
+            <a:solidFill>
+              <a:schemeClr val="dk2"/>
+            </a:solidFill>
+            <a:prstDash val="solid"/>
+            <a:round/>
+            <a:headEnd len="med" w="med" type="none"/>
+            <a:tailEnd len="med" w="med" type="triangle"/>
+          </a:ln>
+        </p:spPr>
+      </p:cxnSp>
+      <p:cxnSp>
+        <p:nvCxnSpPr>
+          <p:cNvPr id="269" name="Google Shape;269;p31"/>
+          <p:cNvCxnSpPr>
+            <a:stCxn id="241" idx="0"/>
+            <a:endCxn id="251" idx="1"/>
+          </p:cNvCxnSpPr>
+          <p:nvPr/>
+        </p:nvCxnSpPr>
+        <p:spPr>
+          <a:xfrm flipH="1" rot="10800000">
+            <a:off x="6917825" y="2965274"/>
+            <a:ext cx="724500" cy="420900"/>
+          </a:xfrm>
+          <a:prstGeom prst="straightConnector1">
+            <a:avLst/>
+          </a:prstGeom>
+          <a:noFill/>
+          <a:ln cap="flat" cmpd="sng" w="9525">
+            <a:solidFill>
+              <a:schemeClr val="dk2"/>
+            </a:solidFill>
+            <a:prstDash val="solid"/>
+            <a:round/>
+            <a:headEnd len="med" w="med" type="none"/>
+            <a:tailEnd len="med" w="med" type="triangle"/>
+          </a:ln>
+        </p:spPr>
+      </p:cxnSp>
+      <p:sp>
+        <p:nvSpPr>
+          <p:cNvPr id="270" name="Google Shape;270;p31"/>
+          <p:cNvSpPr/>
+          <p:nvPr/>
+        </p:nvSpPr>
+        <p:spPr>
+          <a:xfrm>
+            <a:off x="5155113" y="2466598"/>
+            <a:ext cx="1344924" cy="480006"/>
+          </a:xfrm>
+          <a:prstGeom prst="flowChartTerminator">
+            <a:avLst/>
+          </a:prstGeom>
+          <a:solidFill>
+            <a:schemeClr val="lt2"/>
+          </a:solidFill>
+          <a:ln cap="flat" cmpd="sng" w="9525">
+            <a:solidFill>
+              <a:schemeClr val="dk2"/>
+            </a:solidFill>
+            <a:prstDash val="solid"/>
+            <a:round/>
+            <a:headEnd len="sm" w="sm" type="none"/>
+            <a:tailEnd len="sm" w="sm" type="none"/>
+          </a:ln>
+        </p:spPr>
+        <p:txBody>
+          <a:bodyPr anchorCtr="0" anchor="ctr" bIns="91425" lIns="91425" spcFirstLastPara="1" rIns="91425" wrap="square" tIns="91425">
+            <a:noAutofit/>
+          </a:bodyPr>
+          <a:lstStyle/>
+          <a:p>
+            <a:pPr indent="0" lvl="0" marL="0" rtl="0" algn="l">
+              <a:spcBef>
+                <a:spcPts val="0"/>
+              </a:spcBef>
+              <a:spcAft>
+                <a:spcPts val="0"/>
+              </a:spcAft>
+              <a:buNone/>
+            </a:pPr>
+            <a:r>
+              <a:rPr lang="en"/>
+              <a:t>     START</a:t>
+            </a:r>
+            <a:endParaRPr/>
+          </a:p>
+        </p:txBody>
+      </p:sp>
+      <p:cxnSp>
+        <p:nvCxnSpPr>
+          <p:cNvPr id="271" name="Google Shape;271;p31"/>
+          <p:cNvCxnSpPr>
+            <a:stCxn id="270" idx="2"/>
+            <a:endCxn id="247" idx="0"/>
+          </p:cNvCxnSpPr>
+          <p:nvPr/>
+        </p:nvCxnSpPr>
+        <p:spPr>
+          <a:xfrm flipH="1">
+            <a:off x="4737075" y="2946604"/>
+            <a:ext cx="1090500" cy="751200"/>
+          </a:xfrm>
+          <a:prstGeom prst="straightConnector1">
+            <a:avLst/>
+          </a:prstGeom>
+          <a:noFill/>
+          <a:ln cap="flat" cmpd="sng" w="9525">
+            <a:solidFill>
+              <a:schemeClr val="dk2"/>
+            </a:solidFill>
+            <a:prstDash val="solid"/>
+            <a:round/>
+            <a:headEnd len="med" w="med" type="none"/>
+            <a:tailEnd len="med" w="med" type="triangle"/>
+          </a:ln>
+        </p:spPr>
+      </p:cxnSp>
     </p:spTree>
   </p:cSld>
   <p:clrMapOvr>
@@ -25577,7 +25606,7 @@
   <p:cSld>
     <p:spTree>
       <p:nvGrpSpPr>
-        <p:cNvPr id="274" name="Shape 274"/>
+        <p:cNvPr id="275" name="Shape 275"/>
         <p:cNvGrpSpPr/>
         <p:nvPr/>
       </p:nvGrpSpPr>
@@ -25591,7 +25620,7 @@
       </p:grpSpPr>
       <p:pic>
         <p:nvPicPr>
-          <p:cNvPr id="275" name="Google Shape;275;p32"/>
+          <p:cNvPr id="276" name="Google Shape;276;p32"/>
           <p:cNvPicPr preferRelativeResize="0"/>
           <p:nvPr/>
         </p:nvPicPr>
@@ -25619,7 +25648,7 @@
       </p:pic>
       <p:pic>
         <p:nvPicPr>
-          <p:cNvPr id="276" name="Google Shape;276;p32"/>
+          <p:cNvPr id="277" name="Google Shape;277;p32"/>
           <p:cNvPicPr preferRelativeResize="0"/>
           <p:nvPr/>
         </p:nvPicPr>
@@ -25635,34 +25664,6 @@
           <a:xfrm>
             <a:off x="0" y="4558400"/>
             <a:ext cx="9144000" cy="585100"/>
-          </a:xfrm>
-          <a:prstGeom prst="rect">
-            <a:avLst/>
-          </a:prstGeom>
-          <a:noFill/>
-          <a:ln>
-            <a:noFill/>
-          </a:ln>
-        </p:spPr>
-      </p:pic>
-      <p:pic>
-        <p:nvPicPr>
-          <p:cNvPr id="277" name="Google Shape;277;p32"/>
-          <p:cNvPicPr preferRelativeResize="0"/>
-          <p:nvPr/>
-        </p:nvPicPr>
-        <p:blipFill>
-          <a:blip r:embed="rId5">
-            <a:alphaModFix/>
-          </a:blip>
-          <a:stretch>
-            <a:fillRect/>
-          </a:stretch>
-        </p:blipFill>
-        <p:spPr>
-          <a:xfrm>
-            <a:off x="2179875" y="341550"/>
-            <a:ext cx="4909450" cy="2729575"/>
           </a:xfrm>
           <a:prstGeom prst="rect">
             <a:avLst/>
@@ -25742,6 +25743,34 @@
           </a:p>
         </p:txBody>
       </p:sp>
+      <p:pic>
+        <p:nvPicPr>
+          <p:cNvPr id="279" name="Google Shape;279;p32"/>
+          <p:cNvPicPr preferRelativeResize="0"/>
+          <p:nvPr/>
+        </p:nvPicPr>
+        <p:blipFill>
+          <a:blip r:embed="rId5">
+            <a:alphaModFix/>
+          </a:blip>
+          <a:stretch>
+            <a:fillRect/>
+          </a:stretch>
+        </p:blipFill>
+        <p:spPr>
+          <a:xfrm>
+            <a:off x="2048150" y="314325"/>
+            <a:ext cx="3947698" cy="2643599"/>
+          </a:xfrm>
+          <a:prstGeom prst="rect">
+            <a:avLst/>
+          </a:prstGeom>
+          <a:noFill/>
+          <a:ln>
+            <a:noFill/>
+          </a:ln>
+        </p:spPr>
+      </p:pic>
     </p:spTree>
   </p:cSld>
   <p:clrMapOvr>
@@ -25755,7 +25784,7 @@
   <p:cSld>
     <p:spTree>
       <p:nvGrpSpPr>
-        <p:cNvPr id="282" name="Shape 282"/>
+        <p:cNvPr id="283" name="Shape 283"/>
         <p:cNvGrpSpPr/>
         <p:nvPr/>
       </p:nvGrpSpPr>
@@ -25769,7 +25798,7 @@
       </p:grpSpPr>
       <p:grpSp>
         <p:nvGrpSpPr>
-          <p:cNvPr id="283" name="Google Shape;283;p33"/>
+          <p:cNvPr id="284" name="Google Shape;284;p33"/>
           <p:cNvGrpSpPr/>
           <p:nvPr/>
         </p:nvGrpSpPr>
@@ -25783,7 +25812,7 @@
         </p:grpSpPr>
         <p:cxnSp>
           <p:nvCxnSpPr>
-            <p:cNvPr id="284" name="Google Shape;284;p33"/>
+            <p:cNvPr id="285" name="Google Shape;285;p33"/>
             <p:cNvCxnSpPr/>
             <p:nvPr/>
           </p:nvCxnSpPr>
@@ -25809,7 +25838,7 @@
         </p:cxnSp>
         <p:cxnSp>
           <p:nvCxnSpPr>
-            <p:cNvPr id="285" name="Google Shape;285;p33"/>
+            <p:cNvPr id="286" name="Google Shape;286;p33"/>
             <p:cNvCxnSpPr/>
             <p:nvPr/>
           </p:nvCxnSpPr>
@@ -25835,7 +25864,7 @@
         </p:cxnSp>
         <p:cxnSp>
           <p:nvCxnSpPr>
-            <p:cNvPr id="286" name="Google Shape;286;p33"/>
+            <p:cNvPr id="287" name="Google Shape;287;p33"/>
             <p:cNvCxnSpPr/>
             <p:nvPr/>
           </p:nvCxnSpPr>
@@ -25861,7 +25890,7 @@
         </p:cxnSp>
         <p:cxnSp>
           <p:nvCxnSpPr>
-            <p:cNvPr id="287" name="Google Shape;287;p33"/>
+            <p:cNvPr id="288" name="Google Shape;288;p33"/>
             <p:cNvCxnSpPr/>
             <p:nvPr/>
           </p:nvCxnSpPr>
@@ -25887,7 +25916,7 @@
         </p:cxnSp>
         <p:cxnSp>
           <p:nvCxnSpPr>
-            <p:cNvPr id="288" name="Google Shape;288;p33"/>
+            <p:cNvPr id="289" name="Google Shape;289;p33"/>
             <p:cNvCxnSpPr/>
             <p:nvPr/>
           </p:nvCxnSpPr>
@@ -25913,7 +25942,7 @@
         </p:cxnSp>
         <p:cxnSp>
           <p:nvCxnSpPr>
-            <p:cNvPr id="289" name="Google Shape;289;p33"/>
+            <p:cNvPr id="290" name="Google Shape;290;p33"/>
             <p:cNvCxnSpPr/>
             <p:nvPr/>
           </p:nvCxnSpPr>
@@ -25939,7 +25968,7 @@
         </p:cxnSp>
         <p:cxnSp>
           <p:nvCxnSpPr>
-            <p:cNvPr id="290" name="Google Shape;290;p33"/>
+            <p:cNvPr id="291" name="Google Shape;291;p33"/>
             <p:cNvCxnSpPr/>
             <p:nvPr/>
           </p:nvCxnSpPr>
@@ -25965,7 +25994,7 @@
         </p:cxnSp>
         <p:cxnSp>
           <p:nvCxnSpPr>
-            <p:cNvPr id="291" name="Google Shape;291;p33"/>
+            <p:cNvPr id="292" name="Google Shape;292;p33"/>
             <p:cNvCxnSpPr/>
             <p:nvPr/>
           </p:nvCxnSpPr>
@@ -25991,7 +26020,7 @@
         </p:cxnSp>
         <p:cxnSp>
           <p:nvCxnSpPr>
-            <p:cNvPr id="292" name="Google Shape;292;p33"/>
+            <p:cNvPr id="293" name="Google Shape;293;p33"/>
             <p:cNvCxnSpPr/>
             <p:nvPr/>
           </p:nvCxnSpPr>
@@ -26017,7 +26046,7 @@
         </p:cxnSp>
         <p:cxnSp>
           <p:nvCxnSpPr>
-            <p:cNvPr id="293" name="Google Shape;293;p33"/>
+            <p:cNvPr id="294" name="Google Shape;294;p33"/>
             <p:cNvCxnSpPr/>
             <p:nvPr/>
           </p:nvCxnSpPr>
@@ -26044,7 +26073,7 @@
       </p:grpSp>
       <p:sp>
         <p:nvSpPr>
-          <p:cNvPr id="294" name="Google Shape;294;p33"/>
+          <p:cNvPr id="295" name="Google Shape;295;p33"/>
           <p:cNvSpPr/>
           <p:nvPr/>
         </p:nvSpPr>
@@ -26091,7 +26120,7 @@
       </p:sp>
       <p:sp>
         <p:nvSpPr>
-          <p:cNvPr id="295" name="Google Shape;295;p33"/>
+          <p:cNvPr id="296" name="Google Shape;296;p33"/>
           <p:cNvSpPr txBox="1"/>
           <p:nvPr>
             <p:ph type="title"/>
@@ -26131,7 +26160,7 @@
       </p:sp>
       <p:sp>
         <p:nvSpPr>
-          <p:cNvPr id="296" name="Google Shape;296;p33"/>
+          <p:cNvPr id="297" name="Google Shape;297;p33"/>
           <p:cNvSpPr txBox="1"/>
           <p:nvPr>
             <p:ph idx="1" type="subTitle"/>
@@ -26206,7 +26235,7 @@
       </p:sp>
       <p:grpSp>
         <p:nvGrpSpPr>
-          <p:cNvPr id="297" name="Google Shape;297;p33"/>
+          <p:cNvPr id="298" name="Google Shape;298;p33"/>
           <p:cNvGrpSpPr/>
           <p:nvPr/>
         </p:nvGrpSpPr>
@@ -26220,7 +26249,7 @@
         </p:grpSpPr>
         <p:sp>
           <p:nvSpPr>
-            <p:cNvPr id="298" name="Google Shape;298;p33"/>
+            <p:cNvPr id="299" name="Google Shape;299;p33"/>
             <p:cNvSpPr/>
             <p:nvPr/>
           </p:nvSpPr>
@@ -26298,7 +26327,7 @@
         </p:sp>
         <p:sp>
           <p:nvSpPr>
-            <p:cNvPr id="299" name="Google Shape;299;p33"/>
+            <p:cNvPr id="300" name="Google Shape;300;p33"/>
             <p:cNvSpPr/>
             <p:nvPr/>
           </p:nvSpPr>
@@ -26347,7 +26376,7 @@
         </p:sp>
         <p:sp>
           <p:nvSpPr>
-            <p:cNvPr id="300" name="Google Shape;300;p33"/>
+            <p:cNvPr id="301" name="Google Shape;301;p33"/>
             <p:cNvSpPr/>
             <p:nvPr/>
           </p:nvSpPr>
@@ -26396,7 +26425,7 @@
         </p:sp>
         <p:sp>
           <p:nvSpPr>
-            <p:cNvPr id="301" name="Google Shape;301;p33"/>
+            <p:cNvPr id="302" name="Google Shape;302;p33"/>
             <p:cNvSpPr/>
             <p:nvPr/>
           </p:nvSpPr>
@@ -26445,7 +26474,7 @@
         </p:sp>
         <p:sp>
           <p:nvSpPr>
-            <p:cNvPr id="302" name="Google Shape;302;p33"/>
+            <p:cNvPr id="303" name="Google Shape;303;p33"/>
             <p:cNvSpPr/>
             <p:nvPr/>
           </p:nvSpPr>
@@ -26494,7 +26523,7 @@
         </p:sp>
         <p:sp>
           <p:nvSpPr>
-            <p:cNvPr id="303" name="Google Shape;303;p33"/>
+            <p:cNvPr id="304" name="Google Shape;304;p33"/>
             <p:cNvSpPr/>
             <p:nvPr/>
           </p:nvSpPr>
@@ -26543,7 +26572,7 @@
         </p:sp>
         <p:sp>
           <p:nvSpPr>
-            <p:cNvPr id="304" name="Google Shape;304;p33"/>
+            <p:cNvPr id="305" name="Google Shape;305;p33"/>
             <p:cNvSpPr/>
             <p:nvPr/>
           </p:nvSpPr>
@@ -26592,7 +26621,7 @@
         </p:sp>
         <p:sp>
           <p:nvSpPr>
-            <p:cNvPr id="305" name="Google Shape;305;p33"/>
+            <p:cNvPr id="306" name="Google Shape;306;p33"/>
             <p:cNvSpPr/>
             <p:nvPr/>
           </p:nvSpPr>
@@ -26641,7 +26670,7 @@
         </p:sp>
         <p:sp>
           <p:nvSpPr>
-            <p:cNvPr id="306" name="Google Shape;306;p33"/>
+            <p:cNvPr id="307" name="Google Shape;307;p33"/>
             <p:cNvSpPr/>
             <p:nvPr/>
           </p:nvSpPr>
@@ -26691,7 +26720,7 @@
       </p:grpSp>
       <p:sp>
         <p:nvSpPr>
-          <p:cNvPr id="307" name="Google Shape;307;p33"/>
+          <p:cNvPr id="308" name="Google Shape;308;p33"/>
           <p:cNvSpPr/>
           <p:nvPr/>
         </p:nvSpPr>
@@ -26738,7 +26767,7 @@
       </p:sp>
       <p:grpSp>
         <p:nvGrpSpPr>
-          <p:cNvPr id="308" name="Google Shape;308;p33"/>
+          <p:cNvPr id="309" name="Google Shape;309;p33"/>
           <p:cNvGrpSpPr/>
           <p:nvPr/>
         </p:nvGrpSpPr>
@@ -26752,7 +26781,7 @@
         </p:grpSpPr>
         <p:sp>
           <p:nvSpPr>
-            <p:cNvPr id="309" name="Google Shape;309;p33"/>
+            <p:cNvPr id="310" name="Google Shape;310;p33"/>
             <p:cNvSpPr/>
             <p:nvPr/>
           </p:nvSpPr>
@@ -26830,7 +26859,7 @@
         </p:sp>
         <p:sp>
           <p:nvSpPr>
-            <p:cNvPr id="310" name="Google Shape;310;p33"/>
+            <p:cNvPr id="311" name="Google Shape;311;p33"/>
             <p:cNvSpPr/>
             <p:nvPr/>
           </p:nvSpPr>
@@ -26879,7 +26908,7 @@
         </p:sp>
         <p:sp>
           <p:nvSpPr>
-            <p:cNvPr id="311" name="Google Shape;311;p33"/>
+            <p:cNvPr id="312" name="Google Shape;312;p33"/>
             <p:cNvSpPr/>
             <p:nvPr/>
           </p:nvSpPr>
@@ -26928,7 +26957,7 @@
         </p:sp>
         <p:sp>
           <p:nvSpPr>
-            <p:cNvPr id="312" name="Google Shape;312;p33"/>
+            <p:cNvPr id="313" name="Google Shape;313;p33"/>
             <p:cNvSpPr/>
             <p:nvPr/>
           </p:nvSpPr>
@@ -26977,7 +27006,7 @@
         </p:sp>
         <p:sp>
           <p:nvSpPr>
-            <p:cNvPr id="313" name="Google Shape;313;p33"/>
+            <p:cNvPr id="314" name="Google Shape;314;p33"/>
             <p:cNvSpPr/>
             <p:nvPr/>
           </p:nvSpPr>
@@ -27026,7 +27055,7 @@
         </p:sp>
         <p:sp>
           <p:nvSpPr>
-            <p:cNvPr id="314" name="Google Shape;314;p33"/>
+            <p:cNvPr id="315" name="Google Shape;315;p33"/>
             <p:cNvSpPr/>
             <p:nvPr/>
           </p:nvSpPr>
@@ -27075,7 +27104,7 @@
         </p:sp>
         <p:sp>
           <p:nvSpPr>
-            <p:cNvPr id="315" name="Google Shape;315;p33"/>
+            <p:cNvPr id="316" name="Google Shape;316;p33"/>
             <p:cNvSpPr/>
             <p:nvPr/>
           </p:nvSpPr>
@@ -27124,7 +27153,7 @@
         </p:sp>
         <p:sp>
           <p:nvSpPr>
-            <p:cNvPr id="316" name="Google Shape;316;p33"/>
+            <p:cNvPr id="317" name="Google Shape;317;p33"/>
             <p:cNvSpPr/>
             <p:nvPr/>
           </p:nvSpPr>
@@ -27173,7 +27202,7 @@
         </p:sp>
         <p:sp>
           <p:nvSpPr>
-            <p:cNvPr id="317" name="Google Shape;317;p33"/>
+            <p:cNvPr id="318" name="Google Shape;318;p33"/>
             <p:cNvSpPr/>
             <p:nvPr/>
           </p:nvSpPr>
@@ -27223,7 +27252,7 @@
       </p:grpSp>
       <p:sp>
         <p:nvSpPr>
-          <p:cNvPr id="318" name="Google Shape;318;p33"/>
+          <p:cNvPr id="319" name="Google Shape;319;p33"/>
           <p:cNvSpPr txBox="1"/>
           <p:nvPr>
             <p:ph idx="2" type="body"/>
@@ -27271,7 +27300,7 @@
       </p:sp>
       <p:pic>
         <p:nvPicPr>
-          <p:cNvPr id="319" name="Google Shape;319;p33"/>
+          <p:cNvPr id="320" name="Google Shape;320;p33"/>
           <p:cNvPicPr preferRelativeResize="0"/>
           <p:nvPr/>
         </p:nvPicPr>
@@ -27299,7 +27328,7 @@
       </p:pic>
       <p:pic>
         <p:nvPicPr>
-          <p:cNvPr id="320" name="Google Shape;320;p33"/>
+          <p:cNvPr id="321" name="Google Shape;321;p33"/>
           <p:cNvPicPr preferRelativeResize="0"/>
           <p:nvPr/>
         </p:nvPicPr>
@@ -27334,44 +27363,44 @@
 </file>
 
 <file path=ppt/theme/theme1.xml><?xml version="1.0" encoding="utf-8"?>
-<a:theme xmlns:a="http://schemas.openxmlformats.org/drawingml/2006/main" xmlns:r="http://schemas.openxmlformats.org/officeDocument/2006/relationships" name="Innovation Challenge_templet">
+<a:theme xmlns:a="http://schemas.openxmlformats.org/drawingml/2006/main" xmlns:r="http://schemas.openxmlformats.org/officeDocument/2006/relationships" name="Geometric">
   <a:themeElements>
-    <a:clrScheme name="Office">
+    <a:clrScheme name="Geometric">
       <a:dk1>
-        <a:srgbClr val="000000"/>
+        <a:srgbClr val="2A3990"/>
       </a:dk1>
       <a:lt1>
         <a:srgbClr val="FFFFFF"/>
       </a:lt1>
       <a:dk2>
-        <a:srgbClr val="1F497D"/>
+        <a:srgbClr val="434343"/>
       </a:dk2>
       <a:lt2>
-        <a:srgbClr val="EEECE1"/>
+        <a:srgbClr val="999999"/>
       </a:lt2>
       <a:accent1>
-        <a:srgbClr val="4F81BD"/>
+        <a:srgbClr val="212D74"/>
       </a:accent1>
       <a:accent2>
-        <a:srgbClr val="C0504D"/>
+        <a:srgbClr val="3949AB"/>
       </a:accent2>
       <a:accent3>
-        <a:srgbClr val="9BBB59"/>
+        <a:srgbClr val="9C254D"/>
       </a:accent3>
       <a:accent4>
-        <a:srgbClr val="8064A2"/>
+        <a:srgbClr val="D23369"/>
       </a:accent4>
       <a:accent5>
-        <a:srgbClr val="4BACC6"/>
+        <a:srgbClr val="F06292"/>
       </a:accent5>
       <a:accent6>
-        <a:srgbClr val="F79646"/>
+        <a:srgbClr val="7890CD"/>
       </a:accent6>
       <a:hlink>
-        <a:srgbClr val="0000FF"/>
+        <a:srgbClr val="F06292"/>
       </a:hlink>
       <a:folHlink>
-        <a:srgbClr val="800080"/>
+        <a:srgbClr val="F06292"/>
       </a:folHlink>
     </a:clrScheme>
     <a:fontScheme name="Office">
@@ -27892,44 +27921,44 @@
 </file>
 
 <file path=ppt/theme/theme3.xml><?xml version="1.0" encoding="utf-8"?>
-<a:theme xmlns:a="http://schemas.openxmlformats.org/drawingml/2006/main" xmlns:r="http://schemas.openxmlformats.org/officeDocument/2006/relationships" name="Geometric">
+<a:theme xmlns:a="http://schemas.openxmlformats.org/drawingml/2006/main" xmlns:r="http://schemas.openxmlformats.org/officeDocument/2006/relationships" name="Innovation Challenge_templet">
   <a:themeElements>
-    <a:clrScheme name="Geometric">
+    <a:clrScheme name="Office">
       <a:dk1>
-        <a:srgbClr val="2A3990"/>
+        <a:srgbClr val="000000"/>
       </a:dk1>
       <a:lt1>
         <a:srgbClr val="FFFFFF"/>
       </a:lt1>
       <a:dk2>
-        <a:srgbClr val="434343"/>
+        <a:srgbClr val="1F497D"/>
       </a:dk2>
       <a:lt2>
-        <a:srgbClr val="999999"/>
+        <a:srgbClr val="EEECE1"/>
       </a:lt2>
       <a:accent1>
-        <a:srgbClr val="212D74"/>
+        <a:srgbClr val="4F81BD"/>
       </a:accent1>
       <a:accent2>
-        <a:srgbClr val="3949AB"/>
+        <a:srgbClr val="C0504D"/>
       </a:accent2>
       <a:accent3>
-        <a:srgbClr val="9C254D"/>
+        <a:srgbClr val="9BBB59"/>
       </a:accent3>
       <a:accent4>
-        <a:srgbClr val="D23369"/>
+        <a:srgbClr val="8064A2"/>
       </a:accent4>
       <a:accent5>
-        <a:srgbClr val="F06292"/>
+        <a:srgbClr val="4BACC6"/>
       </a:accent5>
       <a:accent6>
-        <a:srgbClr val="7890CD"/>
+        <a:srgbClr val="F79646"/>
       </a:accent6>
       <a:hlink>
-        <a:srgbClr val="F06292"/>
+        <a:srgbClr val="0000FF"/>
       </a:hlink>
       <a:folHlink>
-        <a:srgbClr val="F06292"/>
+        <a:srgbClr val="800080"/>
       </a:folHlink>
     </a:clrScheme>
     <a:fontScheme name="Office">
